--- a/assets/Slides (2024)/pptx/2-name-conventions.pptx
+++ b/assets/Slides (2024)/pptx/2-name-conventions.pptx
@@ -251,7 +251,7 @@
           <a:p>
             <a:fld id="{6BD49A44-3239-4BC8-9F1A-F7941DB37B75}" type="datetimeFigureOut">
               <a:rPr lang="en-SE" smtClean="0"/>
-              <a:t>2024-10-27</a:t>
+              <a:t>2024-10-28</a:t>
             </a:fld>
             <a:endParaRPr lang="en-SE"/>
           </a:p>
@@ -421,7 +421,7 @@
           <a:p>
             <a:fld id="{6BD49A44-3239-4BC8-9F1A-F7941DB37B75}" type="datetimeFigureOut">
               <a:rPr lang="en-SE" smtClean="0"/>
-              <a:t>2024-10-27</a:t>
+              <a:t>2024-10-28</a:t>
             </a:fld>
             <a:endParaRPr lang="en-SE"/>
           </a:p>
@@ -601,7 +601,7 @@
           <a:p>
             <a:fld id="{6BD49A44-3239-4BC8-9F1A-F7941DB37B75}" type="datetimeFigureOut">
               <a:rPr lang="en-SE" smtClean="0"/>
-              <a:t>2024-10-27</a:t>
+              <a:t>2024-10-28</a:t>
             </a:fld>
             <a:endParaRPr lang="en-SE"/>
           </a:p>
@@ -771,7 +771,7 @@
           <a:p>
             <a:fld id="{6BD49A44-3239-4BC8-9F1A-F7941DB37B75}" type="datetimeFigureOut">
               <a:rPr lang="en-SE" smtClean="0"/>
-              <a:t>2024-10-27</a:t>
+              <a:t>2024-10-28</a:t>
             </a:fld>
             <a:endParaRPr lang="en-SE"/>
           </a:p>
@@ -1017,7 +1017,7 @@
           <a:p>
             <a:fld id="{6BD49A44-3239-4BC8-9F1A-F7941DB37B75}" type="datetimeFigureOut">
               <a:rPr lang="en-SE" smtClean="0"/>
-              <a:t>2024-10-27</a:t>
+              <a:t>2024-10-28</a:t>
             </a:fld>
             <a:endParaRPr lang="en-SE"/>
           </a:p>
@@ -1249,7 +1249,7 @@
           <a:p>
             <a:fld id="{6BD49A44-3239-4BC8-9F1A-F7941DB37B75}" type="datetimeFigureOut">
               <a:rPr lang="en-SE" smtClean="0"/>
-              <a:t>2024-10-27</a:t>
+              <a:t>2024-10-28</a:t>
             </a:fld>
             <a:endParaRPr lang="en-SE"/>
           </a:p>
@@ -1616,7 +1616,7 @@
           <a:p>
             <a:fld id="{6BD49A44-3239-4BC8-9F1A-F7941DB37B75}" type="datetimeFigureOut">
               <a:rPr lang="en-SE" smtClean="0"/>
-              <a:t>2024-10-27</a:t>
+              <a:t>2024-10-28</a:t>
             </a:fld>
             <a:endParaRPr lang="en-SE"/>
           </a:p>
@@ -1734,7 +1734,7 @@
           <a:p>
             <a:fld id="{6BD49A44-3239-4BC8-9F1A-F7941DB37B75}" type="datetimeFigureOut">
               <a:rPr lang="en-SE" smtClean="0"/>
-              <a:t>2024-10-27</a:t>
+              <a:t>2024-10-28</a:t>
             </a:fld>
             <a:endParaRPr lang="en-SE"/>
           </a:p>
@@ -1829,7 +1829,7 @@
           <a:p>
             <a:fld id="{6BD49A44-3239-4BC8-9F1A-F7941DB37B75}" type="datetimeFigureOut">
               <a:rPr lang="en-SE" smtClean="0"/>
-              <a:t>2024-10-27</a:t>
+              <a:t>2024-10-28</a:t>
             </a:fld>
             <a:endParaRPr lang="en-SE"/>
           </a:p>
@@ -2106,7 +2106,7 @@
           <a:p>
             <a:fld id="{6BD49A44-3239-4BC8-9F1A-F7941DB37B75}" type="datetimeFigureOut">
               <a:rPr lang="en-SE" smtClean="0"/>
-              <a:t>2024-10-27</a:t>
+              <a:t>2024-10-28</a:t>
             </a:fld>
             <a:endParaRPr lang="en-SE"/>
           </a:p>
@@ -2363,7 +2363,7 @@
           <a:p>
             <a:fld id="{6BD49A44-3239-4BC8-9F1A-F7941DB37B75}" type="datetimeFigureOut">
               <a:rPr lang="en-SE" smtClean="0"/>
-              <a:t>2024-10-27</a:t>
+              <a:t>2024-10-28</a:t>
             </a:fld>
             <a:endParaRPr lang="en-SE"/>
           </a:p>
@@ -2576,7 +2576,7 @@
           <a:p>
             <a:fld id="{6BD49A44-3239-4BC8-9F1A-F7941DB37B75}" type="datetimeFigureOut">
               <a:rPr lang="en-SE" smtClean="0"/>
-              <a:t>2024-10-27</a:t>
+              <a:t>2024-10-28</a:t>
             </a:fld>
             <a:endParaRPr lang="en-SE"/>
           </a:p>
@@ -3095,7 +3095,7 @@
             </a:pPr>
             <a:r>
               <a:rPr lang="sv-SE" dirty="0"/>
-              <a:t>Hungarion Notation</a:t>
+              <a:t>Hungarian Notation</a:t>
             </a:r>
           </a:p>
           <a:p>
